--- a/534_ANN/overfitting and regularization.pptx
+++ b/534_ANN/overfitting and regularization.pptx
@@ -217,7 +217,7 @@
           <a:p>
             <a:fld id="{26828EDE-30C7-4623-A3E1-805FCD33A5DE}" type="datetimeFigureOut">
               <a:rPr lang="en-US" smtClean="0"/>
-              <a:t>10/20/2016</a:t>
+              <a:t>10/25/2016</a:t>
             </a:fld>
             <a:endParaRPr lang="en-US"/>
           </a:p>
@@ -666,7 +666,7 @@
           <a:p>
             <a:fld id="{D584403C-F9BC-433A-99E0-A3D8181231FF}" type="datetimeFigureOut">
               <a:rPr lang="en-US" smtClean="0"/>
-              <a:t>10/20/2016</a:t>
+              <a:t>10/25/2016</a:t>
             </a:fld>
             <a:endParaRPr lang="en-US"/>
           </a:p>
@@ -836,7 +836,7 @@
           <a:p>
             <a:fld id="{D584403C-F9BC-433A-99E0-A3D8181231FF}" type="datetimeFigureOut">
               <a:rPr lang="en-US" smtClean="0"/>
-              <a:t>10/20/2016</a:t>
+              <a:t>10/25/2016</a:t>
             </a:fld>
             <a:endParaRPr lang="en-US"/>
           </a:p>
@@ -1016,7 +1016,7 @@
           <a:p>
             <a:fld id="{D584403C-F9BC-433A-99E0-A3D8181231FF}" type="datetimeFigureOut">
               <a:rPr lang="en-US" smtClean="0"/>
-              <a:t>10/20/2016</a:t>
+              <a:t>10/25/2016</a:t>
             </a:fld>
             <a:endParaRPr lang="en-US"/>
           </a:p>
@@ -1186,7 +1186,7 @@
           <a:p>
             <a:fld id="{D584403C-F9BC-433A-99E0-A3D8181231FF}" type="datetimeFigureOut">
               <a:rPr lang="en-US" smtClean="0"/>
-              <a:t>10/20/2016</a:t>
+              <a:t>10/25/2016</a:t>
             </a:fld>
             <a:endParaRPr lang="en-US"/>
           </a:p>
@@ -1432,7 +1432,7 @@
           <a:p>
             <a:fld id="{D584403C-F9BC-433A-99E0-A3D8181231FF}" type="datetimeFigureOut">
               <a:rPr lang="en-US" smtClean="0"/>
-              <a:t>10/20/2016</a:t>
+              <a:t>10/25/2016</a:t>
             </a:fld>
             <a:endParaRPr lang="en-US"/>
           </a:p>
@@ -1720,7 +1720,7 @@
           <a:p>
             <a:fld id="{D584403C-F9BC-433A-99E0-A3D8181231FF}" type="datetimeFigureOut">
               <a:rPr lang="en-US" smtClean="0"/>
-              <a:t>10/20/2016</a:t>
+              <a:t>10/25/2016</a:t>
             </a:fld>
             <a:endParaRPr lang="en-US"/>
           </a:p>
@@ -2142,7 +2142,7 @@
           <a:p>
             <a:fld id="{D584403C-F9BC-433A-99E0-A3D8181231FF}" type="datetimeFigureOut">
               <a:rPr lang="en-US" smtClean="0"/>
-              <a:t>10/20/2016</a:t>
+              <a:t>10/25/2016</a:t>
             </a:fld>
             <a:endParaRPr lang="en-US"/>
           </a:p>
@@ -2260,7 +2260,7 @@
           <a:p>
             <a:fld id="{D584403C-F9BC-433A-99E0-A3D8181231FF}" type="datetimeFigureOut">
               <a:rPr lang="en-US" smtClean="0"/>
-              <a:t>10/20/2016</a:t>
+              <a:t>10/25/2016</a:t>
             </a:fld>
             <a:endParaRPr lang="en-US"/>
           </a:p>
@@ -2355,7 +2355,7 @@
           <a:p>
             <a:fld id="{D584403C-F9BC-433A-99E0-A3D8181231FF}" type="datetimeFigureOut">
               <a:rPr lang="en-US" smtClean="0"/>
-              <a:t>10/20/2016</a:t>
+              <a:t>10/25/2016</a:t>
             </a:fld>
             <a:endParaRPr lang="en-US"/>
           </a:p>
@@ -2632,7 +2632,7 @@
           <a:p>
             <a:fld id="{D584403C-F9BC-433A-99E0-A3D8181231FF}" type="datetimeFigureOut">
               <a:rPr lang="en-US" smtClean="0"/>
-              <a:t>10/20/2016</a:t>
+              <a:t>10/25/2016</a:t>
             </a:fld>
             <a:endParaRPr lang="en-US"/>
           </a:p>
@@ -2885,7 +2885,7 @@
           <a:p>
             <a:fld id="{D584403C-F9BC-433A-99E0-A3D8181231FF}" type="datetimeFigureOut">
               <a:rPr lang="en-US" smtClean="0"/>
-              <a:t>10/20/2016</a:t>
+              <a:t>10/25/2016</a:t>
             </a:fld>
             <a:endParaRPr lang="en-US"/>
           </a:p>
@@ -3098,7 +3098,7 @@
           <a:p>
             <a:fld id="{D584403C-F9BC-433A-99E0-A3D8181231FF}" type="datetimeFigureOut">
               <a:rPr lang="en-US" smtClean="0"/>
-              <a:t>10/20/2016</a:t>
+              <a:t>10/25/2016</a:t>
             </a:fld>
             <a:endParaRPr lang="en-US"/>
           </a:p>
@@ -3574,8 +3574,8 @@
         </p:nvSpPr>
         <p:spPr>
           <a:xfrm>
-            <a:off x="762000" y="914400"/>
-            <a:ext cx="7620000" cy="3970318"/>
+            <a:off x="457200" y="838200"/>
+            <a:ext cx="8458200" cy="4401205"/>
           </a:xfrm>
           <a:prstGeom prst="rect">
             <a:avLst/>
@@ -3594,19 +3594,17 @@
                 </a:solidFill>
                 <a:latin typeface="Arial" panose="020B0604020202020204" pitchFamily="34" charset="0"/>
                 <a:ea typeface="Times New Roman" panose="02020603050405020304" pitchFamily="18" charset="0"/>
+                <a:cs typeface="Arial" panose="020B0604020202020204" pitchFamily="34" charset="0"/>
               </a:rPr>
-              <a:t>Assignment </a:t>
-            </a:r>
-            <a:r>
-              <a:rPr lang="en-US" sz="2000" dirty="0" smtClean="0">
-                <a:solidFill>
-                  <a:srgbClr val="000000"/>
-                </a:solidFill>
-                <a:latin typeface="Arial" panose="020B0604020202020204" pitchFamily="34" charset="0"/>
-                <a:ea typeface="Times New Roman" panose="02020603050405020304" pitchFamily="18" charset="0"/>
-              </a:rPr>
-              <a:t>7 </a:t>
-            </a:r>
+              <a:t>Assignment 7 due 11-3-16</a:t>
+            </a:r>
+            <a:endParaRPr lang="en-US" sz="2000" dirty="0">
+              <a:latin typeface="Arial" panose="020B0604020202020204" pitchFamily="34" charset="0"/>
+              <a:ea typeface="Times New Roman" panose="02020603050405020304" pitchFamily="18" charset="0"/>
+              <a:cs typeface="Arial" panose="020B0604020202020204" pitchFamily="34" charset="0"/>
+            </a:endParaRPr>
+          </a:p>
+          <a:p>
             <a:r>
               <a:rPr lang="en-US" sz="2000" dirty="0">
                 <a:solidFill>
@@ -3614,178 +3612,118 @@
                 </a:solidFill>
                 <a:latin typeface="Arial" panose="020B0604020202020204" pitchFamily="34" charset="0"/>
                 <a:ea typeface="Times New Roman" panose="02020603050405020304" pitchFamily="18" charset="0"/>
+                <a:cs typeface="Arial" panose="020B0604020202020204" pitchFamily="34" charset="0"/>
               </a:rPr>
-              <a:t>due </a:t>
-            </a:r>
-            <a:r>
-              <a:rPr lang="en-US" sz="2000" dirty="0" smtClean="0">
-                <a:solidFill>
-                  <a:srgbClr val="000000"/>
-                </a:solidFill>
+              <a:t> </a:t>
+            </a:r>
+            <a:endParaRPr lang="en-US" sz="2000" dirty="0">
+              <a:latin typeface="Arial" panose="020B0604020202020204" pitchFamily="34" charset="0"/>
+              <a:ea typeface="Times New Roman" panose="02020603050405020304" pitchFamily="18" charset="0"/>
+              <a:cs typeface="Arial" panose="020B0604020202020204" pitchFamily="34" charset="0"/>
+            </a:endParaRPr>
+          </a:p>
+          <a:p>
+            <a:r>
+              <a:rPr lang="en-US" sz="2000" dirty="0">
                 <a:latin typeface="Arial" panose="020B0604020202020204" pitchFamily="34" charset="0"/>
                 <a:ea typeface="Times New Roman" panose="02020603050405020304" pitchFamily="18" charset="0"/>
+                <a:cs typeface="Arial" panose="020B0604020202020204" pitchFamily="34" charset="0"/>
               </a:rPr>
-              <a:t>11-3-16</a:t>
-            </a:r>
-            <a:endParaRPr lang="en-US" dirty="0">
-              <a:latin typeface="Times New Roman" panose="02020603050405020304" pitchFamily="18" charset="0"/>
-              <a:ea typeface="Times New Roman" panose="02020603050405020304" pitchFamily="18" charset="0"/>
-            </a:endParaRPr>
-          </a:p>
-          <a:p>
-            <a:r>
-              <a:rPr lang="en-US" sz="1600" dirty="0">
-                <a:solidFill>
-                  <a:srgbClr val="000000"/>
-                </a:solidFill>
+              <a:t>Generate an in silico dataset with 55 examples of y(x</a:t>
+            </a:r>
+            <a:r>
+              <a:rPr lang="en-US" sz="2000" dirty="0" smtClean="0">
                 <a:latin typeface="Arial" panose="020B0604020202020204" pitchFamily="34" charset="0"/>
                 <a:ea typeface="Times New Roman" panose="02020603050405020304" pitchFamily="18" charset="0"/>
+                <a:cs typeface="Arial" panose="020B0604020202020204" pitchFamily="34" charset="0"/>
+              </a:rPr>
+              <a:t>)=1+9x</a:t>
+            </a:r>
+            <a:r>
+              <a:rPr lang="en-US" sz="2000" baseline="30000" dirty="0" smtClean="0">
+                <a:latin typeface="Arial" panose="020B0604020202020204" pitchFamily="34" charset="0"/>
+                <a:ea typeface="Times New Roman" panose="02020603050405020304" pitchFamily="18" charset="0"/>
+                <a:cs typeface="Arial" panose="020B0604020202020204" pitchFamily="34" charset="0"/>
+              </a:rPr>
+              <a:t>2</a:t>
+            </a:r>
+            <a:r>
+              <a:rPr lang="en-US" sz="2000" dirty="0" smtClean="0">
+                <a:latin typeface="Arial" panose="020B0604020202020204" pitchFamily="34" charset="0"/>
+                <a:ea typeface="Times New Roman" panose="02020603050405020304" pitchFamily="18" charset="0"/>
+                <a:cs typeface="Arial" panose="020B0604020202020204" pitchFamily="34" charset="0"/>
+              </a:rPr>
+              <a:t>+ </a:t>
+            </a:r>
+            <a:r>
+              <a:rPr lang="en-US" sz="2000" dirty="0">
+                <a:latin typeface="Arial" panose="020B0604020202020204" pitchFamily="34" charset="0"/>
+                <a:ea typeface="Times New Roman" panose="02020603050405020304" pitchFamily="18" charset="0"/>
+                <a:cs typeface="Arial" panose="020B0604020202020204" pitchFamily="34" charset="0"/>
+              </a:rPr>
+              <a:t>N(0,1) </a:t>
+            </a:r>
+            <a:endParaRPr lang="en-US" sz="2000" dirty="0" smtClean="0">
+              <a:latin typeface="Arial" panose="020B0604020202020204" pitchFamily="34" charset="0"/>
+              <a:ea typeface="Times New Roman" panose="02020603050405020304" pitchFamily="18" charset="0"/>
+              <a:cs typeface="Arial" panose="020B0604020202020204" pitchFamily="34" charset="0"/>
+            </a:endParaRPr>
+          </a:p>
+          <a:p>
+            <a:r>
+              <a:rPr lang="en-US" sz="2000" dirty="0" smtClean="0">
+                <a:latin typeface="Arial" panose="020B0604020202020204" pitchFamily="34" charset="0"/>
+                <a:ea typeface="Times New Roman" panose="02020603050405020304" pitchFamily="18" charset="0"/>
+                <a:cs typeface="Arial" panose="020B0604020202020204" pitchFamily="34" charset="0"/>
+              </a:rPr>
+              <a:t>with </a:t>
+            </a:r>
+            <a:r>
+              <a:rPr lang="en-US" sz="2000" dirty="0">
+                <a:latin typeface="Arial" panose="020B0604020202020204" pitchFamily="34" charset="0"/>
+                <a:ea typeface="Times New Roman" panose="02020603050405020304" pitchFamily="18" charset="0"/>
+                <a:cs typeface="Arial" panose="020B0604020202020204" pitchFamily="34" charset="0"/>
+              </a:rPr>
+              <a:t>randomly selected values of x between -1 and +1.</a:t>
+            </a:r>
+          </a:p>
+          <a:p>
+            <a:r>
+              <a:rPr lang="en-US" sz="2000" dirty="0">
+                <a:latin typeface="Arial" panose="020B0604020202020204" pitchFamily="34" charset="0"/>
+                <a:ea typeface="Times New Roman" panose="02020603050405020304" pitchFamily="18" charset="0"/>
+                <a:cs typeface="Arial" panose="020B0604020202020204" pitchFamily="34" charset="0"/>
               </a:rPr>
               <a:t> </a:t>
             </a:r>
-            <a:endParaRPr lang="en-US" sz="1400" dirty="0">
-              <a:latin typeface="Times New Roman" panose="02020603050405020304" pitchFamily="18" charset="0"/>
-              <a:ea typeface="Times New Roman" panose="02020603050405020304" pitchFamily="18" charset="0"/>
-            </a:endParaRPr>
-          </a:p>
-          <a:p>
-            <a:r>
-              <a:rPr lang="en-US" dirty="0" smtClean="0">
+          </a:p>
+          <a:p>
+            <a:r>
+              <a:rPr lang="en-US" sz="2000" dirty="0">
                 <a:latin typeface="Arial" panose="020B0604020202020204" pitchFamily="34" charset="0"/>
                 <a:ea typeface="Times New Roman" panose="02020603050405020304" pitchFamily="18" charset="0"/>
+                <a:cs typeface="Arial" panose="020B0604020202020204" pitchFamily="34" charset="0"/>
               </a:rPr>
-              <a:t>Generate 5 in </a:t>
-            </a:r>
-            <a:r>
-              <a:rPr lang="en-US" dirty="0">
+              <a:t>With training set of 5 samples, fit a 4</a:t>
+            </a:r>
+            <a:r>
+              <a:rPr lang="en-US" sz="2000" baseline="30000" dirty="0">
                 <a:latin typeface="Arial" panose="020B0604020202020204" pitchFamily="34" charset="0"/>
                 <a:ea typeface="Times New Roman" panose="02020603050405020304" pitchFamily="18" charset="0"/>
+                <a:cs typeface="Arial" panose="020B0604020202020204" pitchFamily="34" charset="0"/>
               </a:rPr>
-              <a:t>silico </a:t>
-            </a:r>
-            <a:r>
-              <a:rPr lang="en-US" dirty="0" smtClean="0">
+              <a:t>th</a:t>
+            </a:r>
+            <a:r>
+              <a:rPr lang="en-US" sz="2000" dirty="0">
                 <a:latin typeface="Arial" panose="020B0604020202020204" pitchFamily="34" charset="0"/>
                 <a:ea typeface="Times New Roman" panose="02020603050405020304" pitchFamily="18" charset="0"/>
-              </a:rPr>
-              <a:t>datasets  </a:t>
-            </a:r>
-            <a:endParaRPr lang="en-US" sz="1400" dirty="0">
-              <a:latin typeface="Times New Roman" panose="02020603050405020304" pitchFamily="18" charset="0"/>
-              <a:ea typeface="Times New Roman" panose="02020603050405020304" pitchFamily="18" charset="0"/>
-            </a:endParaRPr>
-          </a:p>
-          <a:p>
-            <a:r>
-              <a:rPr lang="en-US" dirty="0">
-                <a:latin typeface="Arial" panose="020B0604020202020204" pitchFamily="34" charset="0"/>
-                <a:ea typeface="Times New Roman" panose="02020603050405020304" pitchFamily="18" charset="0"/>
-              </a:rPr>
-              <a:t> </a:t>
-            </a:r>
-            <a:endParaRPr lang="en-US" sz="1400" dirty="0">
-              <a:latin typeface="Times New Roman" panose="02020603050405020304" pitchFamily="18" charset="0"/>
-              <a:ea typeface="Times New Roman" panose="02020603050405020304" pitchFamily="18" charset="0"/>
-            </a:endParaRPr>
-          </a:p>
-          <a:p>
-            <a:r>
-              <a:rPr lang="en-US" dirty="0">
-                <a:latin typeface="Arial" panose="020B0604020202020204" pitchFamily="34" charset="0"/>
-                <a:ea typeface="Times New Roman" panose="02020603050405020304" pitchFamily="18" charset="0"/>
-              </a:rPr>
-              <a:t>y(x) = 1 + 9x</a:t>
-            </a:r>
-            <a:r>
-              <a:rPr lang="en-US" baseline="30000" dirty="0">
-                <a:latin typeface="Arial" panose="020B0604020202020204" pitchFamily="34" charset="0"/>
-                <a:ea typeface="Times New Roman" panose="02020603050405020304" pitchFamily="18" charset="0"/>
-              </a:rPr>
-              <a:t>2</a:t>
-            </a:r>
-            <a:r>
-              <a:rPr lang="en-US" dirty="0">
-                <a:latin typeface="Arial" panose="020B0604020202020204" pitchFamily="34" charset="0"/>
-                <a:ea typeface="Times New Roman" panose="02020603050405020304" pitchFamily="18" charset="0"/>
-              </a:rPr>
-              <a:t> + N(0,1</a:t>
-            </a:r>
-            <a:r>
-              <a:rPr lang="en-US" dirty="0" smtClean="0">
-                <a:latin typeface="Arial" panose="020B0604020202020204" pitchFamily="34" charset="0"/>
-                <a:ea typeface="Times New Roman" panose="02020603050405020304" pitchFamily="18" charset="0"/>
-              </a:rPr>
-              <a:t>)</a:t>
-            </a:r>
-            <a:r>
-              <a:rPr lang="en-US" dirty="0">
-                <a:latin typeface="Arial" panose="020B0604020202020204" pitchFamily="34" charset="0"/>
-                <a:ea typeface="Times New Roman" panose="02020603050405020304" pitchFamily="18" charset="0"/>
-              </a:rPr>
-              <a:t> </a:t>
-            </a:r>
-            <a:endParaRPr lang="en-US" sz="1400" dirty="0">
-              <a:latin typeface="Times New Roman" panose="02020603050405020304" pitchFamily="18" charset="0"/>
-              <a:ea typeface="Times New Roman" panose="02020603050405020304" pitchFamily="18" charset="0"/>
-            </a:endParaRPr>
-          </a:p>
-          <a:p>
-            <a:r>
-              <a:rPr lang="en-US" dirty="0">
-                <a:latin typeface="Arial" panose="020B0604020202020204" pitchFamily="34" charset="0"/>
-                <a:ea typeface="Times New Roman" panose="02020603050405020304" pitchFamily="18" charset="0"/>
-              </a:rPr>
-              <a:t>with 5 randomly selected values of x between -1 and +1.</a:t>
-            </a:r>
-            <a:endParaRPr lang="en-US" sz="1400" dirty="0">
-              <a:latin typeface="Times New Roman" panose="02020603050405020304" pitchFamily="18" charset="0"/>
-              <a:ea typeface="Times New Roman" panose="02020603050405020304" pitchFamily="18" charset="0"/>
-            </a:endParaRPr>
-          </a:p>
-          <a:p>
-            <a:r>
-              <a:rPr lang="en-US" dirty="0">
-                <a:latin typeface="Arial" panose="020B0604020202020204" pitchFamily="34" charset="0"/>
-                <a:ea typeface="Times New Roman" panose="02020603050405020304" pitchFamily="18" charset="0"/>
-              </a:rPr>
-              <a:t> </a:t>
-            </a:r>
-            <a:endParaRPr lang="en-US" sz="1400" dirty="0">
-              <a:latin typeface="Times New Roman" panose="02020603050405020304" pitchFamily="18" charset="0"/>
-              <a:ea typeface="Times New Roman" panose="02020603050405020304" pitchFamily="18" charset="0"/>
-            </a:endParaRPr>
-          </a:p>
-          <a:p>
-            <a:r>
-              <a:rPr lang="en-US" dirty="0" smtClean="0">
-                <a:latin typeface="Arial" panose="020B0604020202020204" pitchFamily="34" charset="0"/>
-                <a:ea typeface="Times New Roman" panose="02020603050405020304" pitchFamily="18" charset="0"/>
-              </a:rPr>
-              <a:t>For each data set, fit </a:t>
-            </a:r>
-            <a:r>
-              <a:rPr lang="en-US" dirty="0">
-                <a:latin typeface="Arial" panose="020B0604020202020204" pitchFamily="34" charset="0"/>
-                <a:ea typeface="Times New Roman" panose="02020603050405020304" pitchFamily="18" charset="0"/>
-              </a:rPr>
-              <a:t>a 4</a:t>
-            </a:r>
-            <a:r>
-              <a:rPr lang="en-US" baseline="30000" dirty="0">
-                <a:latin typeface="Arial" panose="020B0604020202020204" pitchFamily="34" charset="0"/>
-                <a:ea typeface="Times New Roman" panose="02020603050405020304" pitchFamily="18" charset="0"/>
-              </a:rPr>
-              <a:t>th</a:t>
-            </a:r>
-            <a:r>
-              <a:rPr lang="en-US" dirty="0">
-                <a:latin typeface="Arial" panose="020B0604020202020204" pitchFamily="34" charset="0"/>
-                <a:ea typeface="Times New Roman" panose="02020603050405020304" pitchFamily="18" charset="0"/>
+                <a:cs typeface="Arial" panose="020B0604020202020204" pitchFamily="34" charset="0"/>
               </a:rPr>
               <a:t> degree polynomial to the data with and without regularization by choosing </a:t>
             </a:r>
             <a:r>
-              <a:rPr lang="en-US" dirty="0">
+              <a:rPr lang="en-US" sz="2000" dirty="0">
                 <a:latin typeface="Symbol" panose="05050102010706020507" pitchFamily="18" charset="2"/>
                 <a:ea typeface="Times New Roman" panose="02020603050405020304" pitchFamily="18" charset="0"/>
                 <a:cs typeface="Arial" panose="020B0604020202020204" pitchFamily="34" charset="0"/>
@@ -3793,128 +3731,189 @@
               <a:t>l</a:t>
             </a:r>
             <a:r>
-              <a:rPr lang="en-US" dirty="0">
+              <a:rPr lang="en-US" sz="2000" dirty="0">
                 <a:latin typeface="Arial" panose="020B0604020202020204" pitchFamily="34" charset="0"/>
                 <a:ea typeface="Times New Roman" panose="02020603050405020304" pitchFamily="18" charset="0"/>
+                <a:cs typeface="Arial" panose="020B0604020202020204" pitchFamily="34" charset="0"/>
               </a:rPr>
-              <a:t> = 0, 0.0001, 0.001, 0.01,1 and 10.</a:t>
-            </a:r>
-            <a:endParaRPr lang="en-US" sz="1400" dirty="0">
-              <a:latin typeface="Times New Roman" panose="02020603050405020304" pitchFamily="18" charset="0"/>
-              <a:ea typeface="Times New Roman" panose="02020603050405020304" pitchFamily="18" charset="0"/>
-            </a:endParaRPr>
-          </a:p>
-          <a:p>
-            <a:r>
-              <a:rPr lang="en-US" dirty="0">
+              <a:t> = 0, 0.0001, 0.001, 0.01, 0.1, 1, and 10.  Plot E</a:t>
+            </a:r>
+            <a:r>
+              <a:rPr lang="en-US" sz="2000" baseline="-25000" dirty="0">
                 <a:latin typeface="Arial" panose="020B0604020202020204" pitchFamily="34" charset="0"/>
                 <a:ea typeface="Times New Roman" panose="02020603050405020304" pitchFamily="18" charset="0"/>
+                <a:cs typeface="Arial" panose="020B0604020202020204" pitchFamily="34" charset="0"/>
+              </a:rPr>
+              <a:t>in</a:t>
+            </a:r>
+            <a:r>
+              <a:rPr lang="en-US" sz="2000" dirty="0">
+                <a:latin typeface="Arial" panose="020B0604020202020204" pitchFamily="34" charset="0"/>
+                <a:ea typeface="Times New Roman" panose="02020603050405020304" pitchFamily="18" charset="0"/>
+                <a:cs typeface="Arial" panose="020B0604020202020204" pitchFamily="34" charset="0"/>
+              </a:rPr>
+              <a:t>.</a:t>
+            </a:r>
+          </a:p>
+          <a:p>
+            <a:r>
+              <a:rPr lang="en-US" sz="2000" dirty="0">
+                <a:latin typeface="Arial" panose="020B0604020202020204" pitchFamily="34" charset="0"/>
+                <a:ea typeface="Times New Roman" panose="02020603050405020304" pitchFamily="18" charset="0"/>
+                <a:cs typeface="Arial" panose="020B0604020202020204" pitchFamily="34" charset="0"/>
               </a:rPr>
               <a:t> </a:t>
             </a:r>
-            <a:endParaRPr lang="en-US" sz="1400" dirty="0">
-              <a:latin typeface="Times New Roman" panose="02020603050405020304" pitchFamily="18" charset="0"/>
-              <a:ea typeface="Times New Roman" panose="02020603050405020304" pitchFamily="18" charset="0"/>
-            </a:endParaRPr>
           </a:p>
           <a:p>
             <a:pPr>
               <a:tabLst>
-                <a:tab pos="5305425" algn="l"/>
+                <a:tab pos="3979069" algn="l"/>
               </a:tabLst>
             </a:pPr>
             <a:r>
-              <a:rPr lang="en-US" dirty="0">
+              <a:rPr lang="en-US" sz="2000" dirty="0">
                 <a:latin typeface="Arial" panose="020B0604020202020204" pitchFamily="34" charset="0"/>
                 <a:ea typeface="Times New Roman" panose="02020603050405020304" pitchFamily="18" charset="0"/>
+                <a:cs typeface="Arial" panose="020B0604020202020204" pitchFamily="34" charset="0"/>
               </a:rPr>
-              <a:t>Display results as in slide </a:t>
-            </a:r>
-            <a:r>
-              <a:rPr lang="en-US" dirty="0" smtClean="0">
+              <a:t>Use the remaining 50 examples as a validation set. Plot E</a:t>
+            </a:r>
+            <a:r>
+              <a:rPr lang="en-US" sz="2000" baseline="-25000" dirty="0">
                 <a:latin typeface="Arial" panose="020B0604020202020204" pitchFamily="34" charset="0"/>
                 <a:ea typeface="Times New Roman" panose="02020603050405020304" pitchFamily="18" charset="0"/>
+                <a:cs typeface="Arial" panose="020B0604020202020204" pitchFamily="34" charset="0"/>
               </a:rPr>
-              <a:t>9 </a:t>
-            </a:r>
-            <a:r>
-              <a:rPr lang="en-US" dirty="0">
+              <a:t>val</a:t>
+            </a:r>
+            <a:r>
+              <a:rPr lang="en-US" sz="2000" dirty="0">
                 <a:latin typeface="Arial" panose="020B0604020202020204" pitchFamily="34" charset="0"/>
                 <a:ea typeface="Times New Roman" panose="02020603050405020304" pitchFamily="18" charset="0"/>
+                <a:cs typeface="Arial" panose="020B0604020202020204" pitchFamily="34" charset="0"/>
               </a:rPr>
-              <a:t>of </a:t>
-            </a:r>
-            <a:r>
-              <a:rPr lang="en-US" dirty="0" smtClean="0">
+              <a:t>. </a:t>
+            </a:r>
+            <a:r>
+              <a:rPr lang="en-US" sz="2000" dirty="0">
                 <a:latin typeface="Arial" panose="020B0604020202020204" pitchFamily="34" charset="0"/>
                 <a:ea typeface="Times New Roman" panose="02020603050405020304" pitchFamily="18" charset="0"/>
+                <a:cs typeface="Arial" panose="020B0604020202020204" pitchFamily="34" charset="0"/>
               </a:rPr>
-              <a:t>the lecture </a:t>
-            </a:r>
-            <a:r>
-              <a:rPr lang="en-US" dirty="0">
+              <a:t> Does the plot have an “elbow”?  If not, what </a:t>
+            </a:r>
+            <a:r>
+              <a:rPr lang="en-US" sz="2000" dirty="0">
                 <a:latin typeface="Arial" panose="020B0604020202020204" pitchFamily="34" charset="0"/>
                 <a:ea typeface="Times New Roman" panose="02020603050405020304" pitchFamily="18" charset="0"/>
+                <a:cs typeface="Arial" panose="020B0604020202020204" pitchFamily="34" charset="0"/>
               </a:rPr>
-              <a:t>on regularization</a:t>
-            </a:r>
-            <a:r>
-              <a:rPr lang="en-US" dirty="0" smtClean="0">
+              <a:t>value of </a:t>
+            </a:r>
+            <a:r>
+              <a:rPr lang="en-US" sz="2000" dirty="0">
+                <a:latin typeface="Symbol" panose="05050102010706020507" pitchFamily="18" charset="2"/>
+                <a:ea typeface="Times New Roman" panose="02020603050405020304" pitchFamily="18" charset="0"/>
+                <a:cs typeface="Arial" panose="020B0604020202020204" pitchFamily="34" charset="0"/>
+              </a:rPr>
+              <a:t>l</a:t>
+            </a:r>
+            <a:r>
+              <a:rPr lang="en-US" sz="2000" dirty="0">
                 <a:latin typeface="Arial" panose="020B0604020202020204" pitchFamily="34" charset="0"/>
                 <a:ea typeface="Times New Roman" panose="02020603050405020304" pitchFamily="18" charset="0"/>
+                <a:cs typeface="Arial" panose="020B0604020202020204" pitchFamily="34" charset="0"/>
               </a:rPr>
-              <a:t>.</a:t>
+              <a:t> gives the smallest E</a:t>
+            </a:r>
+            <a:r>
+              <a:rPr lang="en-US" sz="2000" baseline="-25000" dirty="0">
+                <a:latin typeface="Arial" panose="020B0604020202020204" pitchFamily="34" charset="0"/>
+                <a:ea typeface="Times New Roman" panose="02020603050405020304" pitchFamily="18" charset="0"/>
+                <a:cs typeface="Arial" panose="020B0604020202020204" pitchFamily="34" charset="0"/>
+              </a:rPr>
+              <a:t>val</a:t>
+            </a:r>
+            <a:r>
+              <a:rPr lang="en-US" sz="2000" dirty="0">
+                <a:latin typeface="Arial" panose="020B0604020202020204" pitchFamily="34" charset="0"/>
+                <a:ea typeface="Times New Roman" panose="02020603050405020304" pitchFamily="18" charset="0"/>
+                <a:cs typeface="Arial" panose="020B0604020202020204" pitchFamily="34" charset="0"/>
+              </a:rPr>
+              <a:t>? </a:t>
             </a:r>
           </a:p>
           <a:p>
             <a:pPr>
               <a:tabLst>
-                <a:tab pos="5305425" algn="l"/>
+                <a:tab pos="3979069" algn="l"/>
               </a:tabLst>
             </a:pPr>
-            <a:endParaRPr lang="en-US" dirty="0">
+            <a:endParaRPr lang="en-US" sz="2000" dirty="0">
               <a:latin typeface="Arial" panose="020B0604020202020204" pitchFamily="34" charset="0"/>
               <a:ea typeface="Times New Roman" panose="02020603050405020304" pitchFamily="18" charset="0"/>
+              <a:cs typeface="Arial" panose="020B0604020202020204" pitchFamily="34" charset="0"/>
             </a:endParaRPr>
           </a:p>
           <a:p>
             <a:pPr>
               <a:tabLst>
-                <a:tab pos="5305425" algn="l"/>
+                <a:tab pos="3979069" algn="l"/>
               </a:tabLst>
             </a:pPr>
             <a:r>
-              <a:rPr lang="en-US" dirty="0" smtClean="0">
+              <a:rPr lang="en-US" sz="2000" dirty="0">
                 <a:latin typeface="Arial" panose="020B0604020202020204" pitchFamily="34" charset="0"/>
                 <a:ea typeface="Times New Roman" panose="02020603050405020304" pitchFamily="18" charset="0"/>
+                <a:cs typeface="Arial" panose="020B0604020202020204" pitchFamily="34" charset="0"/>
               </a:rPr>
-              <a:t>Among the 6 values tested, how does the best choice of </a:t>
-            </a:r>
-            <a:r>
-              <a:rPr lang="en-US" dirty="0" smtClean="0">
+              <a:t>Run your code 5 times.  Does the best </a:t>
+            </a:r>
+            <a:r>
+              <a:rPr lang="en-US" sz="2000" dirty="0">
+                <a:latin typeface="Arial" panose="020B0604020202020204" pitchFamily="34" charset="0"/>
+                <a:ea typeface="Times New Roman" panose="02020603050405020304" pitchFamily="18" charset="0"/>
+                <a:cs typeface="Arial" panose="020B0604020202020204" pitchFamily="34" charset="0"/>
+              </a:rPr>
+              <a:t>choice of </a:t>
+            </a:r>
+            <a:r>
+              <a:rPr lang="en-US" sz="2000" dirty="0">
                 <a:latin typeface="Symbol" panose="05050102010706020507" pitchFamily="18" charset="2"/>
                 <a:ea typeface="Times New Roman" panose="02020603050405020304" pitchFamily="18" charset="0"/>
+                <a:cs typeface="Arial" panose="020B0604020202020204" pitchFamily="34" charset="0"/>
               </a:rPr>
               <a:t>l</a:t>
             </a:r>
             <a:r>
-              <a:rPr lang="en-US" dirty="0" smtClean="0">
+              <a:rPr lang="en-US" sz="2000" dirty="0">
                 <a:latin typeface="Arial" panose="020B0604020202020204" pitchFamily="34" charset="0"/>
                 <a:ea typeface="Times New Roman" panose="02020603050405020304" pitchFamily="18" charset="0"/>
+                <a:cs typeface="Arial" panose="020B0604020202020204" pitchFamily="34" charset="0"/>
               </a:rPr>
-              <a:t> change with the 5 in silico data sets?</a:t>
-            </a:r>
-            <a:r>
-              <a:rPr lang="en-US" dirty="0">
+              <a:t> </a:t>
+            </a:r>
+            <a:r>
+              <a:rPr lang="en-US" sz="2000" dirty="0">
                 <a:latin typeface="Arial" panose="020B0604020202020204" pitchFamily="34" charset="0"/>
                 <a:ea typeface="Times New Roman" panose="02020603050405020304" pitchFamily="18" charset="0"/>
+                <a:cs typeface="Arial" panose="020B0604020202020204" pitchFamily="34" charset="0"/>
               </a:rPr>
-              <a:t>	</a:t>
-            </a:r>
-            <a:endParaRPr lang="en-US" sz="1400" dirty="0">
-              <a:effectLst/>
-              <a:latin typeface="Times New Roman" panose="02020603050405020304" pitchFamily="18" charset="0"/>
+              <a:t>change from run to run</a:t>
+            </a:r>
+            <a:r>
+              <a:rPr lang="en-US" sz="2000" dirty="0">
+                <a:latin typeface="Arial" panose="020B0604020202020204" pitchFamily="34" charset="0"/>
+                <a:ea typeface="Times New Roman" panose="02020603050405020304" pitchFamily="18" charset="0"/>
+                <a:cs typeface="Arial" panose="020B0604020202020204" pitchFamily="34" charset="0"/>
+              </a:rPr>
+              <a:t>?</a:t>
+            </a:r>
+            <a:endParaRPr lang="en-US" sz="2000" dirty="0">
+              <a:latin typeface="Arial" panose="020B0604020202020204" pitchFamily="34" charset="0"/>
               <a:ea typeface="Times New Roman" panose="02020603050405020304" pitchFamily="18" charset="0"/>
+              <a:cs typeface="Arial" panose="020B0604020202020204" pitchFamily="34" charset="0"/>
             </a:endParaRPr>
           </a:p>
         </p:txBody>
@@ -3922,7 +3921,7 @@
     </p:spTree>
     <p:extLst>
       <p:ext uri="{BB962C8B-B14F-4D97-AF65-F5344CB8AC3E}">
-        <p14:creationId xmlns:p14="http://schemas.microsoft.com/office/powerpoint/2010/main" val="2893741472"/>
+        <p14:creationId xmlns:p14="http://schemas.microsoft.com/office/powerpoint/2010/main" val="2319523729"/>
       </p:ext>
     </p:extLst>
   </p:cSld>
@@ -4317,11 +4316,7 @@
           <a:p>
             <a:r>
               <a:rPr lang="en-US" altLang="en-US" sz="2400" dirty="0" smtClean="0"/>
-              <a:t>case on previous </a:t>
-            </a:r>
-            <a:r>
-              <a:rPr lang="en-US" altLang="en-US" sz="2400" dirty="0" smtClean="0"/>
-              <a:t>slides?</a:t>
+              <a:t>case on previous slides?</a:t>
             </a:r>
             <a:endParaRPr lang="en-US" sz="2400" dirty="0" smtClean="0"/>
           </a:p>
@@ -4394,11 +4389,7 @@
           <a:p>
             <a:r>
               <a:rPr lang="en-US" sz="2400" dirty="0" smtClean="0"/>
-              <a:t>Results from </a:t>
-            </a:r>
-            <a:r>
-              <a:rPr lang="en-US" sz="2400" dirty="0" smtClean="0"/>
-              <a:t>HW2</a:t>
+              <a:t>Results from HW2</a:t>
             </a:r>
             <a:endParaRPr lang="en-US" sz="2400" dirty="0"/>
           </a:p>
@@ -4731,11 +4722,7 @@
           <a:p>
             <a:r>
               <a:rPr lang="en-US" sz="2400" dirty="0" smtClean="0"/>
-              <a:t>computation grows rapidly with increasing number of </a:t>
-            </a:r>
-            <a:r>
-              <a:rPr lang="en-US" sz="2400" dirty="0" smtClean="0"/>
-              <a:t>attributes.</a:t>
+              <a:t>computation grows rapidly with increasing number of attributes.</a:t>
             </a:r>
             <a:endParaRPr lang="en-US" sz="2400" dirty="0"/>
           </a:p>
@@ -5295,15 +5282,7 @@
           <a:p>
             <a:r>
               <a:rPr lang="en-US" sz="2400" dirty="0" smtClean="0"/>
-              <a:t>Normal equations with weight decay </a:t>
-            </a:r>
-            <a:r>
-              <a:rPr lang="en-US" sz="2400" dirty="0" smtClean="0"/>
-              <a:t>are essentially </a:t>
-            </a:r>
-            <a:r>
-              <a:rPr lang="en-US" sz="2400" dirty="0" smtClean="0"/>
-              <a:t>unchanged</a:t>
+              <a:t>Normal equations with weight decay are essentially unchanged</a:t>
             </a:r>
             <a:endParaRPr lang="en-US" sz="2400" dirty="0"/>
           </a:p>
